--- a/docs/diagrams/CompleteUncompleteTaskSequenceDiagram.pptx
+++ b/docs/diagrams/CompleteUncompleteTaskSequenceDiagram.pptx
@@ -175,7 +175,7 @@
             </a:lvl1pPr>
           </a:lstStyle>
           <a:p>
-            <a:endParaRPr lang="en-US"/>
+            <a:endParaRPr lang="en-US" dirty="0"/>
           </a:p>
         </p:txBody>
       </p:sp>
@@ -208,9 +208,9 @@
           <a:p>
             <a:fld id="{F5CC4B3F-88C1-4FFA-B1B6-F41C21DC6924}" type="datetimeFigureOut">
               <a:rPr lang="en-US" smtClean="0"/>
-              <a:t>10/18/2018</a:t>
+              <a:t>11/11/2018</a:t>
             </a:fld>
-            <a:endParaRPr lang="en-US"/>
+            <a:endParaRPr lang="en-US" dirty="0"/>
           </a:p>
         </p:txBody>
       </p:sp>
@@ -243,7 +243,7 @@
           <a:bodyPr vert="horz" lIns="91440" tIns="45720" rIns="91440" bIns="45720" rtlCol="0" anchor="ctr"/>
           <a:lstStyle/>
           <a:p>
-            <a:endParaRPr lang="en-US"/>
+            <a:endParaRPr lang="en-US" dirty="0"/>
           </a:p>
         </p:txBody>
       </p:sp>
@@ -333,7 +333,7 @@
             </a:lvl1pPr>
           </a:lstStyle>
           <a:p>
-            <a:endParaRPr lang="en-US"/>
+            <a:endParaRPr lang="en-US" dirty="0"/>
           </a:p>
         </p:txBody>
       </p:sp>
@@ -368,7 +368,7 @@
               <a:rPr lang="en-US" smtClean="0"/>
               <a:t>‹#›</a:t>
             </a:fld>
-            <a:endParaRPr lang="en-US"/>
+            <a:endParaRPr lang="en-US" dirty="0"/>
           </a:p>
         </p:txBody>
       </p:sp>
@@ -654,9 +654,9 @@
           <a:p>
             <a:fld id="{78C97017-6FC3-485B-9764-EAC9E56C1D49}" type="datetimeFigureOut">
               <a:rPr lang="en-US" smtClean="0"/>
-              <a:t>10/18/2018</a:t>
+              <a:t>11/11/2018</a:t>
             </a:fld>
-            <a:endParaRPr lang="en-US"/>
+            <a:endParaRPr lang="en-US" dirty="0"/>
           </a:p>
         </p:txBody>
       </p:sp>
@@ -675,7 +675,7 @@
           <a:bodyPr/>
           <a:lstStyle/>
           <a:p>
-            <a:endParaRPr lang="en-US"/>
+            <a:endParaRPr lang="en-US" dirty="0"/>
           </a:p>
         </p:txBody>
       </p:sp>
@@ -698,7 +698,7 @@
               <a:rPr lang="en-US" smtClean="0"/>
               <a:t>‹#›</a:t>
             </a:fld>
-            <a:endParaRPr lang="en-US"/>
+            <a:endParaRPr lang="en-US" dirty="0"/>
           </a:p>
         </p:txBody>
       </p:sp>
@@ -822,9 +822,9 @@
           <a:p>
             <a:fld id="{78C97017-6FC3-485B-9764-EAC9E56C1D49}" type="datetimeFigureOut">
               <a:rPr lang="en-US" smtClean="0"/>
-              <a:t>10/18/2018</a:t>
+              <a:t>11/11/2018</a:t>
             </a:fld>
-            <a:endParaRPr lang="en-US"/>
+            <a:endParaRPr lang="en-US" dirty="0"/>
           </a:p>
         </p:txBody>
       </p:sp>
@@ -843,7 +843,7 @@
           <a:bodyPr/>
           <a:lstStyle/>
           <a:p>
-            <a:endParaRPr lang="en-US"/>
+            <a:endParaRPr lang="en-US" dirty="0"/>
           </a:p>
         </p:txBody>
       </p:sp>
@@ -866,7 +866,7 @@
               <a:rPr lang="en-US" smtClean="0"/>
               <a:t>‹#›</a:t>
             </a:fld>
-            <a:endParaRPr lang="en-US"/>
+            <a:endParaRPr lang="en-US" dirty="0"/>
           </a:p>
         </p:txBody>
       </p:sp>
@@ -1000,9 +1000,9 @@
           <a:p>
             <a:fld id="{78C97017-6FC3-485B-9764-EAC9E56C1D49}" type="datetimeFigureOut">
               <a:rPr lang="en-US" smtClean="0"/>
-              <a:t>10/18/2018</a:t>
+              <a:t>11/11/2018</a:t>
             </a:fld>
-            <a:endParaRPr lang="en-US"/>
+            <a:endParaRPr lang="en-US" dirty="0"/>
           </a:p>
         </p:txBody>
       </p:sp>
@@ -1021,7 +1021,7 @@
           <a:bodyPr/>
           <a:lstStyle/>
           <a:p>
-            <a:endParaRPr lang="en-US"/>
+            <a:endParaRPr lang="en-US" dirty="0"/>
           </a:p>
         </p:txBody>
       </p:sp>
@@ -1044,7 +1044,7 @@
               <a:rPr lang="en-US" smtClean="0"/>
               <a:t>‹#›</a:t>
             </a:fld>
-            <a:endParaRPr lang="en-US"/>
+            <a:endParaRPr lang="en-US" dirty="0"/>
           </a:p>
         </p:txBody>
       </p:sp>
@@ -1168,9 +1168,9 @@
           <a:p>
             <a:fld id="{78C97017-6FC3-485B-9764-EAC9E56C1D49}" type="datetimeFigureOut">
               <a:rPr lang="en-US" smtClean="0"/>
-              <a:t>10/18/2018</a:t>
+              <a:t>11/11/2018</a:t>
             </a:fld>
-            <a:endParaRPr lang="en-US"/>
+            <a:endParaRPr lang="en-US" dirty="0"/>
           </a:p>
         </p:txBody>
       </p:sp>
@@ -1189,7 +1189,7 @@
           <a:bodyPr/>
           <a:lstStyle/>
           <a:p>
-            <a:endParaRPr lang="en-US"/>
+            <a:endParaRPr lang="en-US" dirty="0"/>
           </a:p>
         </p:txBody>
       </p:sp>
@@ -1212,7 +1212,7 @@
               <a:rPr lang="en-US" smtClean="0"/>
               <a:t>‹#›</a:t>
             </a:fld>
-            <a:endParaRPr lang="en-US"/>
+            <a:endParaRPr lang="en-US" dirty="0"/>
           </a:p>
         </p:txBody>
       </p:sp>
@@ -1413,9 +1413,9 @@
           <a:p>
             <a:fld id="{78C97017-6FC3-485B-9764-EAC9E56C1D49}" type="datetimeFigureOut">
               <a:rPr lang="en-US" smtClean="0"/>
-              <a:t>10/18/2018</a:t>
+              <a:t>11/11/2018</a:t>
             </a:fld>
-            <a:endParaRPr lang="en-US"/>
+            <a:endParaRPr lang="en-US" dirty="0"/>
           </a:p>
         </p:txBody>
       </p:sp>
@@ -1434,7 +1434,7 @@
           <a:bodyPr/>
           <a:lstStyle/>
           <a:p>
-            <a:endParaRPr lang="en-US"/>
+            <a:endParaRPr lang="en-US" dirty="0"/>
           </a:p>
         </p:txBody>
       </p:sp>
@@ -1457,7 +1457,7 @@
               <a:rPr lang="en-US" smtClean="0"/>
               <a:t>‹#›</a:t>
             </a:fld>
-            <a:endParaRPr lang="en-US"/>
+            <a:endParaRPr lang="en-US" dirty="0"/>
           </a:p>
         </p:txBody>
       </p:sp>
@@ -1698,9 +1698,9 @@
           <a:p>
             <a:fld id="{78C97017-6FC3-485B-9764-EAC9E56C1D49}" type="datetimeFigureOut">
               <a:rPr lang="en-US" smtClean="0"/>
-              <a:t>10/18/2018</a:t>
+              <a:t>11/11/2018</a:t>
             </a:fld>
-            <a:endParaRPr lang="en-US"/>
+            <a:endParaRPr lang="en-US" dirty="0"/>
           </a:p>
         </p:txBody>
       </p:sp>
@@ -1719,7 +1719,7 @@
           <a:bodyPr/>
           <a:lstStyle/>
           <a:p>
-            <a:endParaRPr lang="en-US"/>
+            <a:endParaRPr lang="en-US" dirty="0"/>
           </a:p>
         </p:txBody>
       </p:sp>
@@ -1742,7 +1742,7 @@
               <a:rPr lang="en-US" smtClean="0"/>
               <a:t>‹#›</a:t>
             </a:fld>
-            <a:endParaRPr lang="en-US"/>
+            <a:endParaRPr lang="en-US" dirty="0"/>
           </a:p>
         </p:txBody>
       </p:sp>
@@ -2117,9 +2117,9 @@
           <a:p>
             <a:fld id="{78C97017-6FC3-485B-9764-EAC9E56C1D49}" type="datetimeFigureOut">
               <a:rPr lang="en-US" smtClean="0"/>
-              <a:t>10/18/2018</a:t>
+              <a:t>11/11/2018</a:t>
             </a:fld>
-            <a:endParaRPr lang="en-US"/>
+            <a:endParaRPr lang="en-US" dirty="0"/>
           </a:p>
         </p:txBody>
       </p:sp>
@@ -2138,7 +2138,7 @@
           <a:bodyPr/>
           <a:lstStyle/>
           <a:p>
-            <a:endParaRPr lang="en-US"/>
+            <a:endParaRPr lang="en-US" dirty="0"/>
           </a:p>
         </p:txBody>
       </p:sp>
@@ -2161,7 +2161,7 @@
               <a:rPr lang="en-US" smtClean="0"/>
               <a:t>‹#›</a:t>
             </a:fld>
-            <a:endParaRPr lang="en-US"/>
+            <a:endParaRPr lang="en-US" dirty="0"/>
           </a:p>
         </p:txBody>
       </p:sp>
@@ -2234,9 +2234,9 @@
           <a:p>
             <a:fld id="{78C97017-6FC3-485B-9764-EAC9E56C1D49}" type="datetimeFigureOut">
               <a:rPr lang="en-US" smtClean="0"/>
-              <a:t>10/18/2018</a:t>
+              <a:t>11/11/2018</a:t>
             </a:fld>
-            <a:endParaRPr lang="en-US"/>
+            <a:endParaRPr lang="en-US" dirty="0"/>
           </a:p>
         </p:txBody>
       </p:sp>
@@ -2255,7 +2255,7 @@
           <a:bodyPr/>
           <a:lstStyle/>
           <a:p>
-            <a:endParaRPr lang="en-US"/>
+            <a:endParaRPr lang="en-US" dirty="0"/>
           </a:p>
         </p:txBody>
       </p:sp>
@@ -2278,7 +2278,7 @@
               <a:rPr lang="en-US" smtClean="0"/>
               <a:t>‹#›</a:t>
             </a:fld>
-            <a:endParaRPr lang="en-US"/>
+            <a:endParaRPr lang="en-US" dirty="0"/>
           </a:p>
         </p:txBody>
       </p:sp>
@@ -2329,9 +2329,9 @@
           <a:p>
             <a:fld id="{78C97017-6FC3-485B-9764-EAC9E56C1D49}" type="datetimeFigureOut">
               <a:rPr lang="en-US" smtClean="0"/>
-              <a:t>10/18/2018</a:t>
+              <a:t>11/11/2018</a:t>
             </a:fld>
-            <a:endParaRPr lang="en-US"/>
+            <a:endParaRPr lang="en-US" dirty="0"/>
           </a:p>
         </p:txBody>
       </p:sp>
@@ -2350,7 +2350,7 @@
           <a:bodyPr/>
           <a:lstStyle/>
           <a:p>
-            <a:endParaRPr lang="en-US"/>
+            <a:endParaRPr lang="en-US" dirty="0"/>
           </a:p>
         </p:txBody>
       </p:sp>
@@ -2373,7 +2373,7 @@
               <a:rPr lang="en-US" smtClean="0"/>
               <a:t>‹#›</a:t>
             </a:fld>
-            <a:endParaRPr lang="en-US"/>
+            <a:endParaRPr lang="en-US" dirty="0"/>
           </a:p>
         </p:txBody>
       </p:sp>
@@ -2604,9 +2604,9 @@
           <a:p>
             <a:fld id="{78C97017-6FC3-485B-9764-EAC9E56C1D49}" type="datetimeFigureOut">
               <a:rPr lang="en-US" smtClean="0"/>
-              <a:t>10/18/2018</a:t>
+              <a:t>11/11/2018</a:t>
             </a:fld>
-            <a:endParaRPr lang="en-US"/>
+            <a:endParaRPr lang="en-US" dirty="0"/>
           </a:p>
         </p:txBody>
       </p:sp>
@@ -2625,7 +2625,7 @@
           <a:bodyPr/>
           <a:lstStyle/>
           <a:p>
-            <a:endParaRPr lang="en-US"/>
+            <a:endParaRPr lang="en-US" dirty="0"/>
           </a:p>
         </p:txBody>
       </p:sp>
@@ -2648,7 +2648,7 @@
               <a:rPr lang="en-US" smtClean="0"/>
               <a:t>‹#›</a:t>
             </a:fld>
-            <a:endParaRPr lang="en-US"/>
+            <a:endParaRPr lang="en-US" dirty="0"/>
           </a:p>
         </p:txBody>
       </p:sp>
@@ -2770,7 +2770,7 @@
             </a:lvl9pPr>
           </a:lstStyle>
           <a:p>
-            <a:endParaRPr lang="en-US"/>
+            <a:endParaRPr lang="en-US" dirty="0"/>
           </a:p>
         </p:txBody>
       </p:sp>
@@ -2856,9 +2856,9 @@
           <a:p>
             <a:fld id="{78C97017-6FC3-485B-9764-EAC9E56C1D49}" type="datetimeFigureOut">
               <a:rPr lang="en-US" smtClean="0"/>
-              <a:t>10/18/2018</a:t>
+              <a:t>11/11/2018</a:t>
             </a:fld>
-            <a:endParaRPr lang="en-US"/>
+            <a:endParaRPr lang="en-US" dirty="0"/>
           </a:p>
         </p:txBody>
       </p:sp>
@@ -2877,7 +2877,7 @@
           <a:bodyPr/>
           <a:lstStyle/>
           <a:p>
-            <a:endParaRPr lang="en-US"/>
+            <a:endParaRPr lang="en-US" dirty="0"/>
           </a:p>
         </p:txBody>
       </p:sp>
@@ -2900,7 +2900,7 @@
               <a:rPr lang="en-US" smtClean="0"/>
               <a:t>‹#›</a:t>
             </a:fld>
-            <a:endParaRPr lang="en-US"/>
+            <a:endParaRPr lang="en-US" dirty="0"/>
           </a:p>
         </p:txBody>
       </p:sp>
@@ -3067,9 +3067,9 @@
           <a:p>
             <a:fld id="{78C97017-6FC3-485B-9764-EAC9E56C1D49}" type="datetimeFigureOut">
               <a:rPr lang="en-US" smtClean="0"/>
-              <a:t>10/18/2018</a:t>
+              <a:t>11/11/2018</a:t>
             </a:fld>
-            <a:endParaRPr lang="en-US"/>
+            <a:endParaRPr lang="en-US" dirty="0"/>
           </a:p>
         </p:txBody>
       </p:sp>
@@ -3106,7 +3106,7 @@
             </a:lvl1pPr>
           </a:lstStyle>
           <a:p>
-            <a:endParaRPr lang="en-US"/>
+            <a:endParaRPr lang="en-US" dirty="0"/>
           </a:p>
         </p:txBody>
       </p:sp>
@@ -3147,7 +3147,7 @@
               <a:rPr lang="en-US" smtClean="0"/>
               <a:t>‹#›</a:t>
             </a:fld>
-            <a:endParaRPr lang="en-US"/>
+            <a:endParaRPr lang="en-US" dirty="0"/>
           </a:p>
         </p:txBody>
       </p:sp>
@@ -3450,7 +3450,7 @@
         </p:nvSpPr>
         <p:spPr>
           <a:xfrm>
-            <a:off x="6467586" y="61157"/>
+            <a:off x="6542426" y="32878"/>
             <a:ext cx="4962414" cy="4759534"/>
           </a:xfrm>
           <a:prstGeom prst="roundRect">
@@ -3511,8 +3511,8 @@
         </p:nvSpPr>
         <p:spPr>
           <a:xfrm>
-            <a:off x="-2242214" y="61158"/>
-            <a:ext cx="8614808" cy="4759532"/>
+            <a:off x="-2242215" y="61158"/>
+            <a:ext cx="8688323" cy="4759532"/>
           </a:xfrm>
           <a:prstGeom prst="roundRect">
             <a:avLst>
@@ -3613,15 +3613,7 @@
                   <a:schemeClr val="bg1"/>
                 </a:solidFill>
               </a:rPr>
-              <a:t>:</a:t>
-            </a:r>
-            <a:r>
-              <a:rPr lang="en-US" sz="1600" dirty="0" err="1">
-                <a:solidFill>
-                  <a:schemeClr val="bg1"/>
-                </a:solidFill>
-              </a:rPr>
-              <a:t>LogicManager</a:t>
+              <a:t>:LogicManager</a:t>
             </a:r>
             <a:endParaRPr lang="en-SG" sz="1600" dirty="0">
               <a:solidFill>
@@ -3713,7 +3705,7 @@
           <a:lstStyle/>
           <a:p>
             <a:pPr algn="ctr"/>
-            <a:endParaRPr lang="en-SG" sz="1400"/>
+            <a:endParaRPr lang="en-SG" sz="1400" dirty="0"/>
           </a:p>
         </p:txBody>
       </p:sp>
@@ -3772,7 +3764,7 @@
           <a:p>
             <a:pPr algn="ctr"/>
             <a:r>
-              <a:rPr lang="en-US" sz="1600" dirty="0" err="1">
+              <a:rPr lang="en-US" sz="1600" dirty="0">
                 <a:solidFill>
                   <a:schemeClr val="bg1"/>
                 </a:solidFill>
@@ -3869,7 +3861,7 @@
           <a:lstStyle/>
           <a:p>
             <a:pPr algn="ctr"/>
-            <a:endParaRPr lang="en-SG" sz="1400">
+            <a:endParaRPr lang="en-SG" sz="1400" dirty="0">
               <a:solidFill>
                 <a:schemeClr val="dk1"/>
               </a:solidFill>
@@ -3961,7 +3953,7 @@
           <a:lstStyle/>
           <a:p>
             <a:pPr algn="ctr"/>
-            <a:endParaRPr lang="en-SG" sz="1400"/>
+            <a:endParaRPr lang="en-SG" sz="1400" dirty="0"/>
           </a:p>
         </p:txBody>
       </p:sp>
@@ -4044,9 +4036,9 @@
           <p:nvPr/>
         </p:nvCxnSpPr>
         <p:spPr>
-          <a:xfrm flipV="1">
-            <a:off x="3429000" y="1767156"/>
-            <a:ext cx="1667898" cy="1"/>
+          <a:xfrm>
+            <a:off x="3429000" y="1767158"/>
+            <a:ext cx="1456873" cy="12751"/>
           </a:xfrm>
           <a:prstGeom prst="straightConnector1">
             <a:avLst/>
@@ -4186,7 +4178,7 @@
           </a:lstStyle>
           <a:p>
             <a:r>
-              <a:rPr lang="en-US" sz="1200" dirty="0" err="1">
+              <a:rPr lang="en-US" sz="1200" dirty="0">
                 <a:solidFill>
                   <a:schemeClr val="accent4">
                     <a:lumMod val="75000"/>
@@ -4241,12 +4233,8 @@
           </a:lstStyle>
           <a:p>
             <a:r>
-              <a:rPr lang="en-US" dirty="0" err="1"/>
-              <a:t>parseCommand</a:t>
-            </a:r>
-            <a:r>
               <a:rPr lang="en-US" dirty="0"/>
-              <a:t>(“complete”)</a:t>
+              <a:t>parseCommand(“complete”)</a:t>
             </a:r>
           </a:p>
         </p:txBody>
@@ -4380,15 +4368,7 @@
                   <a:schemeClr val="bg1"/>
                 </a:solidFill>
               </a:rPr>
-              <a:t>:</a:t>
-            </a:r>
-            <a:r>
-              <a:rPr lang="en-US" sz="1600" dirty="0" err="1">
-                <a:solidFill>
-                  <a:schemeClr val="bg1"/>
-                </a:solidFill>
-              </a:rPr>
-              <a:t>VersionedTodoList</a:t>
+              <a:t>:VersionedTodoList</a:t>
             </a:r>
             <a:endParaRPr lang="en-SG" sz="1600" dirty="0">
               <a:solidFill>
@@ -4441,7 +4421,7 @@
           <a:lstStyle/>
           <a:p>
             <a:pPr algn="ctr"/>
-            <a:endParaRPr lang="en-SG" sz="1400"/>
+            <a:endParaRPr lang="en-SG" sz="1400" dirty="0"/>
           </a:p>
         </p:txBody>
       </p:sp>
@@ -4453,8 +4433,8 @@
         </p:nvSpPr>
         <p:spPr>
           <a:xfrm>
-            <a:off x="6628452" y="2316634"/>
-            <a:ext cx="841636" cy="300180"/>
+            <a:off x="6607045" y="1880118"/>
+            <a:ext cx="1710873" cy="348850"/>
           </a:xfrm>
           <a:prstGeom prst="rect">
             <a:avLst/>
@@ -4494,7 +4474,7 @@
                   <a:schemeClr val="bg1"/>
                 </a:solidFill>
               </a:rPr>
-              <a:t>: Model</a:t>
+              <a:t>: ModelManager</a:t>
             </a:r>
             <a:endParaRPr lang="en-SG" sz="1600" dirty="0">
               <a:solidFill>
@@ -4513,9 +4493,9 @@
           <p:nvPr/>
         </p:nvCxnSpPr>
         <p:spPr>
-          <a:xfrm flipH="1">
-            <a:off x="7034271" y="2616814"/>
-            <a:ext cx="3959" cy="1735710"/>
+          <a:xfrm>
+            <a:off x="7034271" y="2228968"/>
+            <a:ext cx="1" cy="2123556"/>
           </a:xfrm>
           <a:prstGeom prst="line">
             <a:avLst/>
@@ -4586,7 +4566,7 @@
           <a:lstStyle/>
           <a:p>
             <a:pPr algn="ctr"/>
-            <a:endParaRPr lang="en-SG" sz="1400"/>
+            <a:endParaRPr lang="en-SG" sz="1400" dirty="0"/>
           </a:p>
         </p:txBody>
       </p:sp>
@@ -4669,8 +4649,8 @@
         </p:nvSpPr>
         <p:spPr>
           <a:xfrm>
-            <a:off x="5105400" y="1315671"/>
-            <a:ext cx="1173805" cy="685252"/>
+            <a:off x="4885873" y="1270505"/>
+            <a:ext cx="1504650" cy="685252"/>
           </a:xfrm>
           <a:prstGeom prst="rect">
             <a:avLst/>
@@ -4908,7 +4888,7 @@
           </a:lstStyle>
           <a:p>
             <a:r>
-              <a:rPr lang="en-US" sz="1200" dirty="0" err="1">
+              <a:rPr lang="en-US" sz="1200" dirty="0">
                 <a:solidFill>
                   <a:srgbClr val="7030A0"/>
                 </a:solidFill>
@@ -5114,26 +5094,13 @@
                   <a:schemeClr val="bg1"/>
                 </a:solidFill>
               </a:rPr>
-              <a:t>:</a:t>
-            </a:r>
-            <a:r>
-              <a:rPr lang="en-US" sz="1600" dirty="0" err="1">
-                <a:solidFill>
-                  <a:schemeClr val="bg1"/>
-                </a:solidFill>
-              </a:rPr>
-              <a:t>CompleteTask</a:t>
-            </a:r>
-            <a:endParaRPr lang="en-US" sz="1600" dirty="0">
-              <a:solidFill>
-                <a:schemeClr val="bg1"/>
-              </a:solidFill>
-            </a:endParaRPr>
+              <a:t>:CompleteTask</a:t>
+            </a:r>
           </a:p>
           <a:p>
             <a:pPr algn="ctr"/>
             <a:r>
-              <a:rPr lang="en-US" sz="1600" dirty="0" err="1">
+              <a:rPr lang="en-US" sz="1600" dirty="0">
                 <a:solidFill>
                   <a:schemeClr val="bg1"/>
                 </a:solidFill>
@@ -5252,7 +5219,7 @@
         </p:nvSpPr>
         <p:spPr>
           <a:xfrm>
-            <a:off x="4240646" y="1494540"/>
+            <a:off x="4110240" y="1532236"/>
             <a:ext cx="621216" cy="215444"/>
           </a:xfrm>
           <a:prstGeom prst="rect">
@@ -5608,7 +5575,7 @@
           <a:lstStyle/>
           <a:p>
             <a:pPr algn="ctr"/>
-            <a:endParaRPr lang="en-SG" sz="1400"/>
+            <a:endParaRPr lang="en-SG" sz="1400" dirty="0"/>
           </a:p>
         </p:txBody>
       </p:sp>
@@ -5797,15 +5764,7 @@
                   <a:schemeClr val="bg1"/>
                 </a:solidFill>
               </a:rPr>
-              <a:t>:</a:t>
-            </a:r>
-            <a:r>
-              <a:rPr lang="en-US" sz="1600" dirty="0" err="1">
-                <a:solidFill>
-                  <a:schemeClr val="bg1"/>
-                </a:solidFill>
-              </a:rPr>
-              <a:t>UniqueTaskList</a:t>
+              <a:t>:UniqueTaskList</a:t>
             </a:r>
             <a:endParaRPr lang="en-SG" sz="1600" dirty="0">
               <a:solidFill>
@@ -5909,7 +5868,7 @@
           <a:lstStyle/>
           <a:p>
             <a:pPr algn="ctr"/>
-            <a:endParaRPr lang="en-SG" sz="1400"/>
+            <a:endParaRPr lang="en-SG" sz="1400" dirty="0"/>
           </a:p>
         </p:txBody>
       </p:sp>
@@ -6000,7 +5959,7 @@
           </a:lstStyle>
           <a:p>
             <a:r>
-              <a:rPr lang="en-US" sz="1200" dirty="0" err="1">
+              <a:rPr lang="en-US" sz="1200" dirty="0">
                 <a:solidFill>
                   <a:srgbClr val="7030A0"/>
                 </a:solidFill>
@@ -6116,7 +6075,7 @@
           <a:lstStyle/>
           <a:p>
             <a:pPr algn="ctr"/>
-            <a:endParaRPr lang="en-SG" sz="1400">
+            <a:endParaRPr lang="en-SG" sz="1400" dirty="0">
               <a:solidFill>
                 <a:schemeClr val="dk1"/>
               </a:solidFill>
